--- a/Presentation/ironhack_final_presentation.pptx
+++ b/Presentation/ironhack_final_presentation.pptx
@@ -239,7 +239,7 @@
           <a:p>
             <a:fld id="{187C06C4-C5A6-48FB-97F5-B20A44F857E9}" type="datetimeFigureOut">
               <a:rPr lang="en-US" smtClean="0"/>
-              <a:t>12/1/2022</a:t>
+              <a:t>12/2/2022</a:t>
             </a:fld>
             <a:endParaRPr lang="en-US"/>
           </a:p>
@@ -416,7 +416,7 @@
           <a:p>
             <a:fld id="{F8F2B2CC-0155-4E5E-A890-531D58ADF5B2}" type="datetimeFigureOut">
               <a:rPr lang="en-US" smtClean="0"/>
-              <a:t>12/1/2022</a:t>
+              <a:t>12/2/2022</a:t>
             </a:fld>
             <a:endParaRPr lang="en-US"/>
           </a:p>
@@ -1691,7 +1691,7 @@
                 </a:solidFill>
               </a:rPr>
               <a:pPr/>
-              <a:t>12/1/2022</a:t>
+              <a:t>12/2/2022</a:t>
             </a:fld>
             <a:endParaRPr lang="en-US" dirty="0">
               <a:solidFill>
@@ -13090,6 +13090,44 @@
           </a:p>
         </p:txBody>
       </p:sp>
+      <p:sp>
+        <p:nvSpPr>
+          <p:cNvPr id="3" name="TextBox 2">
+            <a:extLst>
+              <a:ext uri="{FF2B5EF4-FFF2-40B4-BE49-F238E27FC236}">
+                <a16:creationId xmlns:a16="http://schemas.microsoft.com/office/drawing/2014/main" id="{A88D9437-0127-FE0E-F9D2-F0539EAC73B7}"/>
+              </a:ext>
+            </a:extLst>
+          </p:cNvPr>
+          <p:cNvSpPr txBox="1"/>
+          <p:nvPr/>
+        </p:nvSpPr>
+        <p:spPr>
+          <a:xfrm>
+            <a:off x="838200" y="1921164"/>
+            <a:ext cx="681597" cy="369332"/>
+          </a:xfrm>
+          <a:prstGeom prst="rect">
+            <a:avLst/>
+          </a:prstGeom>
+          <a:noFill/>
+        </p:spPr>
+        <p:txBody>
+          <a:bodyPr wrap="none" rtlCol="0">
+            <a:spAutoFit/>
+          </a:bodyPr>
+          <a:lstStyle/>
+          <a:p>
+            <a:r>
+              <a:rPr lang="en-GB" dirty="0">
+                <a:hlinkClick r:id="rId2"/>
+              </a:rPr>
+              <a:t>LINK</a:t>
+            </a:r>
+            <a:endParaRPr lang="en-DE" dirty="0"/>
+          </a:p>
+        </p:txBody>
+      </p:sp>
     </p:spTree>
     <p:extLst>
       <p:ext uri="{BB962C8B-B14F-4D97-AF65-F5344CB8AC3E}">
@@ -13548,12 +13586,27 @@
           <a:lstStyle/>
           <a:p>
             <a:r>
-              <a:rPr lang="en-US" sz="5400">
+              <a:rPr lang="en-US" sz="5400" dirty="0">
                 <a:solidFill>
                   <a:srgbClr val="FFFFFF"/>
                 </a:solidFill>
               </a:rPr>
-              <a:t>Getting the best candidates</a:t>
+              <a:t>Attracting </a:t>
+            </a:r>
+            <a:br>
+              <a:rPr lang="en-US" sz="5400" dirty="0">
+                <a:solidFill>
+                  <a:srgbClr val="FFFFFF"/>
+                </a:solidFill>
+              </a:rPr>
+            </a:br>
+            <a:r>
+              <a:rPr lang="en-US" sz="5400" dirty="0">
+                <a:solidFill>
+                  <a:srgbClr val="FFFFFF"/>
+                </a:solidFill>
+              </a:rPr>
+              <a:t>the best candidates</a:t>
             </a:r>
           </a:p>
         </p:txBody>
@@ -14894,6 +14947,15 @@
 </file>
 
 <file path=customXml/item1.xml><?xml version="1.0" encoding="utf-8"?>
+<?mso-contentType ?>
+<FormTemplates xmlns="http://schemas.microsoft.com/sharepoint/v3/contenttype/forms">
+  <Display>DocumentLibraryForm</Display>
+  <Edit>DocumentLibraryForm</Edit>
+  <New>DocumentLibraryForm</New>
+</FormTemplates>
+</file>
+
+<file path=customXml/item2.xml><?xml version="1.0" encoding="utf-8"?>
 <p:properties xmlns:p="http://schemas.microsoft.com/office/2006/metadata/properties" xmlns:xsi="http://www.w3.org/2001/XMLSchema-instance" xmlns:pc="http://schemas.microsoft.com/office/infopath/2007/PartnerControls">
   <documentManagement>
     <Status xmlns="71af3243-3dd4-4a8d-8c0d-dd76da1f02a5">Not started</Status>
@@ -14910,15 +14972,6 @@
     <MediaServiceKeyPoints xmlns="71af3243-3dd4-4a8d-8c0d-dd76da1f02a5" xsi:nil="true"/>
   </documentManagement>
 </p:properties>
-</file>
-
-<file path=customXml/item2.xml><?xml version="1.0" encoding="utf-8"?>
-<?mso-contentType ?>
-<FormTemplates xmlns="http://schemas.microsoft.com/sharepoint/v3/contenttype/forms">
-  <Display>DocumentLibraryForm</Display>
-  <Edit>DocumentLibraryForm</Edit>
-  <New>DocumentLibraryForm</New>
-</FormTemplates>
 </file>
 
 <file path=customXml/item3.xml><?xml version="1.0" encoding="utf-8"?>
@@ -15198,6 +15251,14 @@
 </file>
 
 <file path=customXml/itemProps1.xml><?xml version="1.0" encoding="utf-8"?>
+<ds:datastoreItem xmlns:ds="http://schemas.openxmlformats.org/officeDocument/2006/customXml" ds:itemID="{5CF4B188-9E41-4609-81DC-EA2587D009AE}">
+  <ds:schemaRefs>
+    <ds:schemaRef ds:uri="http://schemas.microsoft.com/sharepoint/v3/contenttype/forms"/>
+  </ds:schemaRefs>
+</ds:datastoreItem>
+</file>
+
+<file path=customXml/itemProps2.xml><?xml version="1.0" encoding="utf-8"?>
 <ds:datastoreItem xmlns:ds="http://schemas.openxmlformats.org/officeDocument/2006/customXml" ds:itemID="{DAAFE2A1-77F8-441E-9B9F-DD61C354F4FE}">
   <ds:schemaRefs>
     <ds:schemaRef ds:uri="http://schemas.microsoft.com/office/2006/metadata/properties"/>
@@ -15205,14 +15266,6 @@
     <ds:schemaRef ds:uri="71af3243-3dd4-4a8d-8c0d-dd76da1f02a5"/>
     <ds:schemaRef ds:uri="http://schemas.microsoft.com/sharepoint/v3"/>
     <ds:schemaRef ds:uri="230e9df3-be65-4c73-a93b-d1236ebd677e"/>
-  </ds:schemaRefs>
-</ds:datastoreItem>
-</file>
-
-<file path=customXml/itemProps2.xml><?xml version="1.0" encoding="utf-8"?>
-<ds:datastoreItem xmlns:ds="http://schemas.openxmlformats.org/officeDocument/2006/customXml" ds:itemID="{5CF4B188-9E41-4609-81DC-EA2587D009AE}">
-  <ds:schemaRefs>
-    <ds:schemaRef ds:uri="http://schemas.microsoft.com/sharepoint/v3/contenttype/forms"/>
   </ds:schemaRefs>
 </ds:datastoreItem>
 </file>
